--- a/Week9/W3.01. Week 3 Overview.pptx
+++ b/Week9/W3.01. Week 3 Overview.pptx
@@ -123,6 +123,80 @@
 </p:presentation>
 </file>
 
+<file path=ppt/changesInfos/changesInfo1.xml><?xml version="1.0" encoding="utf-8"?>
+<pc:chgInfo xmlns:a="http://schemas.openxmlformats.org/drawingml/2006/main" xmlns:r="http://schemas.openxmlformats.org/officeDocument/2006/relationships" xmlns:ac="http://schemas.microsoft.com/office/drawing/2013/main/command" xmlns:pc="http://schemas.microsoft.com/office/powerpoint/2013/main/command">
+  <pc:docChgLst>
+    <pc:chgData name="Chuck Kiefriter" userId="a996b49251c4dfd2" providerId="LiveId" clId="{A3EE875A-28EC-4658-8968-70703DBF7E68}"/>
+    <pc:docChg chg="modSld">
+      <pc:chgData name="Chuck Kiefriter" userId="a996b49251c4dfd2" providerId="LiveId" clId="{A3EE875A-28EC-4658-8968-70703DBF7E68}" dt="2024-04-03T22:22:01.514" v="3" actId="14100"/>
+      <pc:docMkLst>
+        <pc:docMk/>
+      </pc:docMkLst>
+      <pc:sldChg chg="modSp mod">
+        <pc:chgData name="Chuck Kiefriter" userId="a996b49251c4dfd2" providerId="LiveId" clId="{A3EE875A-28EC-4658-8968-70703DBF7E68}" dt="2024-04-03T22:20:39.598" v="0" actId="14100"/>
+        <pc:sldMkLst>
+          <pc:docMk/>
+          <pc:sldMk cId="3646223644" sldId="261"/>
+        </pc:sldMkLst>
+        <pc:spChg chg="mod">
+          <ac:chgData name="Chuck Kiefriter" userId="a996b49251c4dfd2" providerId="LiveId" clId="{A3EE875A-28EC-4658-8968-70703DBF7E68}" dt="2024-04-03T22:20:39.598" v="0" actId="14100"/>
+          <ac:spMkLst>
+            <pc:docMk/>
+            <pc:sldMk cId="3646223644" sldId="261"/>
+            <ac:spMk id="3" creationId="{3BA7B180-F628-4244-AA00-CA4A81B6C476}"/>
+          </ac:spMkLst>
+        </pc:spChg>
+      </pc:sldChg>
+      <pc:sldChg chg="modSp mod">
+        <pc:chgData name="Chuck Kiefriter" userId="a996b49251c4dfd2" providerId="LiveId" clId="{A3EE875A-28EC-4658-8968-70703DBF7E68}" dt="2024-04-03T22:21:13.743" v="1" actId="14100"/>
+        <pc:sldMkLst>
+          <pc:docMk/>
+          <pc:sldMk cId="3846051422" sldId="266"/>
+        </pc:sldMkLst>
+        <pc:spChg chg="mod">
+          <ac:chgData name="Chuck Kiefriter" userId="a996b49251c4dfd2" providerId="LiveId" clId="{A3EE875A-28EC-4658-8968-70703DBF7E68}" dt="2024-04-03T22:21:13.743" v="1" actId="14100"/>
+          <ac:spMkLst>
+            <pc:docMk/>
+            <pc:sldMk cId="3846051422" sldId="266"/>
+            <ac:spMk id="3" creationId="{9311A23E-457D-4825-9727-F1F6C7303DC8}"/>
+          </ac:spMkLst>
+        </pc:spChg>
+      </pc:sldChg>
+      <pc:sldChg chg="modSp mod">
+        <pc:chgData name="Chuck Kiefriter" userId="a996b49251c4dfd2" providerId="LiveId" clId="{A3EE875A-28EC-4658-8968-70703DBF7E68}" dt="2024-04-03T22:21:38.756" v="2" actId="14100"/>
+        <pc:sldMkLst>
+          <pc:docMk/>
+          <pc:sldMk cId="1166536353" sldId="267"/>
+        </pc:sldMkLst>
+        <pc:spChg chg="mod">
+          <ac:chgData name="Chuck Kiefriter" userId="a996b49251c4dfd2" providerId="LiveId" clId="{A3EE875A-28EC-4658-8968-70703DBF7E68}" dt="2024-04-03T22:21:38.756" v="2" actId="14100"/>
+          <ac:spMkLst>
+            <pc:docMk/>
+            <pc:sldMk cId="1166536353" sldId="267"/>
+            <ac:spMk id="3" creationId="{EB6285C6-12EB-4E5D-B3E9-248A42821BF6}"/>
+          </ac:spMkLst>
+        </pc:spChg>
+      </pc:sldChg>
+      <pc:sldChg chg="modSp mod">
+        <pc:chgData name="Chuck Kiefriter" userId="a996b49251c4dfd2" providerId="LiveId" clId="{A3EE875A-28EC-4658-8968-70703DBF7E68}" dt="2024-04-03T22:22:01.514" v="3" actId="14100"/>
+        <pc:sldMkLst>
+          <pc:docMk/>
+          <pc:sldMk cId="746546010" sldId="271"/>
+        </pc:sldMkLst>
+        <pc:spChg chg="mod">
+          <ac:chgData name="Chuck Kiefriter" userId="a996b49251c4dfd2" providerId="LiveId" clId="{A3EE875A-28EC-4658-8968-70703DBF7E68}" dt="2024-04-03T22:22:01.514" v="3" actId="14100"/>
+          <ac:spMkLst>
+            <pc:docMk/>
+            <pc:sldMk cId="746546010" sldId="271"/>
+            <ac:spMk id="3" creationId="{A40C9CD5-4B91-431E-BF59-A296097A23C4}"/>
+          </ac:spMkLst>
+        </pc:spChg>
+      </pc:sldChg>
+    </pc:docChg>
+  </pc:docChgLst>
+</pc:chgInfo>
+</file>
+
 <file path=ppt/notesMasters/notesMaster1.xml><?xml version="1.0" encoding="utf-8"?>
 <p:notesMaster xmlns:a="http://schemas.openxmlformats.org/drawingml/2006/main" xmlns:r="http://schemas.openxmlformats.org/officeDocument/2006/relationships" xmlns:p="http://schemas.openxmlformats.org/presentationml/2006/main">
   <p:cSld>
@@ -205,7 +279,7 @@
           <a:p>
             <a:fld id="{BF1BC3E4-C956-40CB-AFCD-8F927AFF366E}" type="datetimeFigureOut">
               <a:rPr lang="en-US" smtClean="0"/>
-              <a:t>1/17/2022</a:t>
+              <a:t>4/3/2024</a:t>
             </a:fld>
             <a:endParaRPr lang="en-US"/>
           </a:p>
@@ -716,7 +790,7 @@
           <a:p>
             <a:fld id="{548C5E67-172B-4F6A-B3B9-DEF72F952E5B}" type="datetimeFigureOut">
               <a:rPr lang="en-US" smtClean="0"/>
-              <a:t>1/17/2022</a:t>
+              <a:t>4/3/2024</a:t>
             </a:fld>
             <a:endParaRPr lang="en-US"/>
           </a:p>
@@ -920,7 +994,7 @@
           <a:p>
             <a:fld id="{548C5E67-172B-4F6A-B3B9-DEF72F952E5B}" type="datetimeFigureOut">
               <a:rPr lang="en-US" smtClean="0"/>
-              <a:t>1/17/2022</a:t>
+              <a:t>4/3/2024</a:t>
             </a:fld>
             <a:endParaRPr lang="en-US"/>
           </a:p>
@@ -1114,7 +1188,7 @@
           <a:p>
             <a:fld id="{548C5E67-172B-4F6A-B3B9-DEF72F952E5B}" type="datetimeFigureOut">
               <a:rPr lang="en-US" smtClean="0"/>
-              <a:t>1/17/2022</a:t>
+              <a:t>4/3/2024</a:t>
             </a:fld>
             <a:endParaRPr lang="en-US"/>
           </a:p>
@@ -2159,7 +2233,7 @@
           <a:p>
             <a:fld id="{548C5E67-172B-4F6A-B3B9-DEF72F952E5B}" type="datetimeFigureOut">
               <a:rPr lang="en-US" smtClean="0"/>
-              <a:t>1/17/2022</a:t>
+              <a:t>4/3/2024</a:t>
             </a:fld>
             <a:endParaRPr lang="en-US"/>
           </a:p>
@@ -2440,7 +2514,7 @@
           <a:p>
             <a:fld id="{548C5E67-172B-4F6A-B3B9-DEF72F952E5B}" type="datetimeFigureOut">
               <a:rPr lang="en-US" smtClean="0"/>
-              <a:t>1/17/2022</a:t>
+              <a:t>4/3/2024</a:t>
             </a:fld>
             <a:endParaRPr lang="en-US"/>
           </a:p>
@@ -3092,7 +3166,7 @@
         <p:spPr>
           <a:xfrm>
             <a:off x="838200" y="1825625"/>
-            <a:ext cx="6464300" cy="4351338"/>
+            <a:ext cx="11250168" cy="4351338"/>
           </a:xfrm>
         </p:spPr>
         <p:txBody>
@@ -3134,13 +3208,13 @@
   <p:clrMapOvr>
     <a:masterClrMapping/>
   </p:clrMapOvr>
-  <mc:AlternateContent xmlns:mc="http://schemas.openxmlformats.org/markup-compatibility/2006">
-    <mc:Choice xmlns:p14="http://schemas.microsoft.com/office/powerpoint/2010/main" Requires="p14">
+  <mc:AlternateContent xmlns:mc="http://schemas.openxmlformats.org/markup-compatibility/2006" xmlns:p14="http://schemas.microsoft.com/office/powerpoint/2010/main">
+    <mc:Choice Requires="p14">
       <p:transition spd="med" p14:dur="700">
         <p:fade/>
       </p:transition>
     </mc:Choice>
-    <mc:Fallback>
+    <mc:Fallback xmlns="">
       <p:transition spd="med">
         <p:fade/>
       </p:transition>
@@ -3266,13 +3340,13 @@
   <p:clrMapOvr>
     <a:masterClrMapping/>
   </p:clrMapOvr>
-  <mc:AlternateContent xmlns:mc="http://schemas.openxmlformats.org/markup-compatibility/2006">
-    <mc:Choice xmlns:p14="http://schemas.microsoft.com/office/powerpoint/2010/main" Requires="p14">
+  <mc:AlternateContent xmlns:mc="http://schemas.openxmlformats.org/markup-compatibility/2006" xmlns:p14="http://schemas.microsoft.com/office/powerpoint/2010/main">
+    <mc:Choice Requires="p14">
       <p:transition spd="med" p14:dur="700">
         <p:fade/>
       </p:transition>
     </mc:Choice>
-    <mc:Fallback>
+    <mc:Fallback xmlns="">
       <p:transition spd="med">
         <p:fade/>
       </p:transition>
@@ -3375,13 +3449,13 @@
   <p:clrMapOvr>
     <a:masterClrMapping/>
   </p:clrMapOvr>
-  <mc:AlternateContent xmlns:mc="http://schemas.openxmlformats.org/markup-compatibility/2006">
-    <mc:Choice xmlns:p14="http://schemas.microsoft.com/office/powerpoint/2010/main" Requires="p14">
+  <mc:AlternateContent xmlns:mc="http://schemas.openxmlformats.org/markup-compatibility/2006" xmlns:p14="http://schemas.microsoft.com/office/powerpoint/2010/main">
+    <mc:Choice Requires="p14">
       <p:transition spd="med" p14:dur="700">
         <p:fade/>
       </p:transition>
     </mc:Choice>
-    <mc:Fallback>
+    <mc:Fallback xmlns="">
       <p:transition spd="med">
         <p:fade/>
       </p:transition>
@@ -3451,7 +3525,12 @@
             <p:ph idx="1"/>
           </p:nvPr>
         </p:nvSpPr>
-        <p:spPr/>
+        <p:spPr>
+          <a:xfrm>
+            <a:off x="838200" y="1825625"/>
+            <a:ext cx="11241024" cy="4351338"/>
+          </a:xfrm>
+        </p:spPr>
         <p:txBody>
           <a:bodyPr/>
           <a:lstStyle/>
@@ -3565,13 +3644,13 @@
   <p:clrMapOvr>
     <a:masterClrMapping/>
   </p:clrMapOvr>
-  <mc:AlternateContent xmlns:mc="http://schemas.openxmlformats.org/markup-compatibility/2006">
-    <mc:Choice xmlns:p14="http://schemas.microsoft.com/office/powerpoint/2010/main" Requires="p14">
+  <mc:AlternateContent xmlns:mc="http://schemas.openxmlformats.org/markup-compatibility/2006" xmlns:p14="http://schemas.microsoft.com/office/powerpoint/2010/main">
+    <mc:Choice Requires="p14">
       <p:transition spd="med" p14:dur="700">
         <p:fade/>
       </p:transition>
     </mc:Choice>
-    <mc:Fallback>
+    <mc:Fallback xmlns="">
       <p:transition spd="med">
         <p:fade/>
       </p:transition>
@@ -3644,7 +3723,7 @@
         <p:spPr>
           <a:xfrm>
             <a:off x="838200" y="1825625"/>
-            <a:ext cx="5664200" cy="4351338"/>
+            <a:ext cx="10637520" cy="4351338"/>
           </a:xfrm>
         </p:spPr>
         <p:txBody>
@@ -3750,13 +3829,13 @@
   <p:clrMapOvr>
     <a:masterClrMapping/>
   </p:clrMapOvr>
-  <mc:AlternateContent xmlns:mc="http://schemas.openxmlformats.org/markup-compatibility/2006">
-    <mc:Choice xmlns:p14="http://schemas.microsoft.com/office/powerpoint/2010/main" Requires="p14">
+  <mc:AlternateContent xmlns:mc="http://schemas.openxmlformats.org/markup-compatibility/2006" xmlns:p14="http://schemas.microsoft.com/office/powerpoint/2010/main">
+    <mc:Choice Requires="p14">
       <p:transition spd="med" p14:dur="700">
         <p:fade/>
       </p:transition>
     </mc:Choice>
-    <mc:Fallback>
+    <mc:Fallback xmlns="">
       <p:transition spd="med">
         <p:fade/>
       </p:transition>
@@ -3879,13 +3958,13 @@
   <p:clrMapOvr>
     <a:masterClrMapping/>
   </p:clrMapOvr>
-  <mc:AlternateContent xmlns:mc="http://schemas.openxmlformats.org/markup-compatibility/2006">
-    <mc:Choice xmlns:p14="http://schemas.microsoft.com/office/powerpoint/2010/main" Requires="p14">
+  <mc:AlternateContent xmlns:mc="http://schemas.openxmlformats.org/markup-compatibility/2006" xmlns:p14="http://schemas.microsoft.com/office/powerpoint/2010/main">
+    <mc:Choice Requires="p14">
       <p:transition spd="med" p14:dur="700">
         <p:fade/>
       </p:transition>
     </mc:Choice>
-    <mc:Fallback>
+    <mc:Fallback xmlns="">
       <p:transition spd="med">
         <p:fade/>
       </p:transition>
@@ -4083,13 +4162,13 @@
   <p:clrMapOvr>
     <a:masterClrMapping/>
   </p:clrMapOvr>
-  <mc:AlternateContent xmlns:mc="http://schemas.openxmlformats.org/markup-compatibility/2006">
-    <mc:Choice xmlns:p14="http://schemas.microsoft.com/office/powerpoint/2010/main" Requires="p14">
+  <mc:AlternateContent xmlns:mc="http://schemas.openxmlformats.org/markup-compatibility/2006" xmlns:p14="http://schemas.microsoft.com/office/powerpoint/2010/main">
+    <mc:Choice Requires="p14">
       <p:transition spd="med" p14:dur="700">
         <p:fade/>
       </p:transition>
     </mc:Choice>
-    <mc:Fallback>
+    <mc:Fallback xmlns="">
       <p:transition spd="med">
         <p:fade/>
       </p:transition>
@@ -4162,7 +4241,7 @@
         <p:spPr>
           <a:xfrm>
             <a:off x="838200" y="1825625"/>
-            <a:ext cx="6223000" cy="4351338"/>
+            <a:ext cx="9275064" cy="4351338"/>
           </a:xfrm>
         </p:spPr>
         <p:txBody>
@@ -4251,13 +4330,13 @@
   <p:clrMapOvr>
     <a:masterClrMapping/>
   </p:clrMapOvr>
-  <mc:AlternateContent xmlns:mc="http://schemas.openxmlformats.org/markup-compatibility/2006">
-    <mc:Choice xmlns:p14="http://schemas.microsoft.com/office/powerpoint/2010/main" Requires="p14">
+  <mc:AlternateContent xmlns:mc="http://schemas.openxmlformats.org/markup-compatibility/2006" xmlns:p14="http://schemas.microsoft.com/office/powerpoint/2010/main">
+    <mc:Choice Requires="p14">
       <p:transition spd="med" p14:dur="700">
         <p:fade/>
       </p:transition>
     </mc:Choice>
-    <mc:Fallback>
+    <mc:Fallback xmlns="">
       <p:transition spd="med">
         <p:fade/>
       </p:transition>

--- a/Week9/W3.01. Week 3 Overview.pptx
+++ b/Week9/W3.01. Week 3 Overview.pptx
@@ -126,6 +126,30 @@
 <file path=ppt/changesInfos/changesInfo1.xml><?xml version="1.0" encoding="utf-8"?>
 <pc:chgInfo xmlns:a="http://schemas.openxmlformats.org/drawingml/2006/main" xmlns:r="http://schemas.openxmlformats.org/officeDocument/2006/relationships" xmlns:ac="http://schemas.microsoft.com/office/drawing/2013/main/command" xmlns:pc="http://schemas.microsoft.com/office/powerpoint/2013/main/command">
   <pc:docChgLst>
+    <pc:chgData name="Chuck Kiefriter" userId="a996b49251c4dfd2" providerId="LiveId" clId="{E8071CA4-8FE4-4321-8093-215221D18066}"/>
+    <pc:docChg chg="modSld">
+      <pc:chgData name="Chuck Kiefriter" userId="a996b49251c4dfd2" providerId="LiveId" clId="{E8071CA4-8FE4-4321-8093-215221D18066}" dt="2025-07-22T23:21:02.328" v="0" actId="1076"/>
+      <pc:docMkLst>
+        <pc:docMk/>
+      </pc:docMkLst>
+      <pc:sldChg chg="modSp mod">
+        <pc:chgData name="Chuck Kiefriter" userId="a996b49251c4dfd2" providerId="LiveId" clId="{E8071CA4-8FE4-4321-8093-215221D18066}" dt="2025-07-22T23:21:02.328" v="0" actId="1076"/>
+        <pc:sldMkLst>
+          <pc:docMk/>
+          <pc:sldMk cId="507793010" sldId="256"/>
+        </pc:sldMkLst>
+        <pc:spChg chg="mod">
+          <ac:chgData name="Chuck Kiefriter" userId="a996b49251c4dfd2" providerId="LiveId" clId="{E8071CA4-8FE4-4321-8093-215221D18066}" dt="2025-07-22T23:21:02.328" v="0" actId="1076"/>
+          <ac:spMkLst>
+            <pc:docMk/>
+            <pc:sldMk cId="507793010" sldId="256"/>
+            <ac:spMk id="3" creationId="{756FD140-E406-4165-9E64-ECEE2E5D3174}"/>
+          </ac:spMkLst>
+        </pc:spChg>
+      </pc:sldChg>
+    </pc:docChg>
+  </pc:docChgLst>
+  <pc:docChgLst>
     <pc:chgData name="Chuck Kiefriter" userId="a996b49251c4dfd2" providerId="LiveId" clId="{A3EE875A-28EC-4658-8968-70703DBF7E68}"/>
     <pc:docChg chg="modSld">
       <pc:chgData name="Chuck Kiefriter" userId="a996b49251c4dfd2" providerId="LiveId" clId="{A3EE875A-28EC-4658-8968-70703DBF7E68}" dt="2024-04-03T22:22:01.514" v="3" actId="14100"/>
@@ -138,14 +162,6 @@
           <pc:docMk/>
           <pc:sldMk cId="3646223644" sldId="261"/>
         </pc:sldMkLst>
-        <pc:spChg chg="mod">
-          <ac:chgData name="Chuck Kiefriter" userId="a996b49251c4dfd2" providerId="LiveId" clId="{A3EE875A-28EC-4658-8968-70703DBF7E68}" dt="2024-04-03T22:20:39.598" v="0" actId="14100"/>
-          <ac:spMkLst>
-            <pc:docMk/>
-            <pc:sldMk cId="3646223644" sldId="261"/>
-            <ac:spMk id="3" creationId="{3BA7B180-F628-4244-AA00-CA4A81B6C476}"/>
-          </ac:spMkLst>
-        </pc:spChg>
       </pc:sldChg>
       <pc:sldChg chg="modSp mod">
         <pc:chgData name="Chuck Kiefriter" userId="a996b49251c4dfd2" providerId="LiveId" clId="{A3EE875A-28EC-4658-8968-70703DBF7E68}" dt="2024-04-03T22:21:13.743" v="1" actId="14100"/>
@@ -153,14 +169,6 @@
           <pc:docMk/>
           <pc:sldMk cId="3846051422" sldId="266"/>
         </pc:sldMkLst>
-        <pc:spChg chg="mod">
-          <ac:chgData name="Chuck Kiefriter" userId="a996b49251c4dfd2" providerId="LiveId" clId="{A3EE875A-28EC-4658-8968-70703DBF7E68}" dt="2024-04-03T22:21:13.743" v="1" actId="14100"/>
-          <ac:spMkLst>
-            <pc:docMk/>
-            <pc:sldMk cId="3846051422" sldId="266"/>
-            <ac:spMk id="3" creationId="{9311A23E-457D-4825-9727-F1F6C7303DC8}"/>
-          </ac:spMkLst>
-        </pc:spChg>
       </pc:sldChg>
       <pc:sldChg chg="modSp mod">
         <pc:chgData name="Chuck Kiefriter" userId="a996b49251c4dfd2" providerId="LiveId" clId="{A3EE875A-28EC-4658-8968-70703DBF7E68}" dt="2024-04-03T22:21:38.756" v="2" actId="14100"/>
@@ -168,14 +176,6 @@
           <pc:docMk/>
           <pc:sldMk cId="1166536353" sldId="267"/>
         </pc:sldMkLst>
-        <pc:spChg chg="mod">
-          <ac:chgData name="Chuck Kiefriter" userId="a996b49251c4dfd2" providerId="LiveId" clId="{A3EE875A-28EC-4658-8968-70703DBF7E68}" dt="2024-04-03T22:21:38.756" v="2" actId="14100"/>
-          <ac:spMkLst>
-            <pc:docMk/>
-            <pc:sldMk cId="1166536353" sldId="267"/>
-            <ac:spMk id="3" creationId="{EB6285C6-12EB-4E5D-B3E9-248A42821BF6}"/>
-          </ac:spMkLst>
-        </pc:spChg>
       </pc:sldChg>
       <pc:sldChg chg="modSp mod">
         <pc:chgData name="Chuck Kiefriter" userId="a996b49251c4dfd2" providerId="LiveId" clId="{A3EE875A-28EC-4658-8968-70703DBF7E68}" dt="2024-04-03T22:22:01.514" v="3" actId="14100"/>
@@ -183,14 +183,6 @@
           <pc:docMk/>
           <pc:sldMk cId="746546010" sldId="271"/>
         </pc:sldMkLst>
-        <pc:spChg chg="mod">
-          <ac:chgData name="Chuck Kiefriter" userId="a996b49251c4dfd2" providerId="LiveId" clId="{A3EE875A-28EC-4658-8968-70703DBF7E68}" dt="2024-04-03T22:22:01.514" v="3" actId="14100"/>
-          <ac:spMkLst>
-            <pc:docMk/>
-            <pc:sldMk cId="746546010" sldId="271"/>
-            <ac:spMk id="3" creationId="{A40C9CD5-4B91-431E-BF59-A296097A23C4}"/>
-          </ac:spMkLst>
-        </pc:spChg>
       </pc:sldChg>
     </pc:docChg>
   </pc:docChgLst>
@@ -279,7 +271,7 @@
           <a:p>
             <a:fld id="{BF1BC3E4-C956-40CB-AFCD-8F927AFF366E}" type="datetimeFigureOut">
               <a:rPr lang="en-US" smtClean="0"/>
-              <a:t>4/3/2024</a:t>
+              <a:t>7/22/2025</a:t>
             </a:fld>
             <a:endParaRPr lang="en-US"/>
           </a:p>
@@ -790,7 +782,7 @@
           <a:p>
             <a:fld id="{548C5E67-172B-4F6A-B3B9-DEF72F952E5B}" type="datetimeFigureOut">
               <a:rPr lang="en-US" smtClean="0"/>
-              <a:t>4/3/2024</a:t>
+              <a:t>7/22/2025</a:t>
             </a:fld>
             <a:endParaRPr lang="en-US"/>
           </a:p>
@@ -994,7 +986,7 @@
           <a:p>
             <a:fld id="{548C5E67-172B-4F6A-B3B9-DEF72F952E5B}" type="datetimeFigureOut">
               <a:rPr lang="en-US" smtClean="0"/>
-              <a:t>4/3/2024</a:t>
+              <a:t>7/22/2025</a:t>
             </a:fld>
             <a:endParaRPr lang="en-US"/>
           </a:p>
@@ -1188,7 +1180,7 @@
           <a:p>
             <a:fld id="{548C5E67-172B-4F6A-B3B9-DEF72F952E5B}" type="datetimeFigureOut">
               <a:rPr lang="en-US" smtClean="0"/>
-              <a:t>4/3/2024</a:t>
+              <a:t>7/22/2025</a:t>
             </a:fld>
             <a:endParaRPr lang="en-US"/>
           </a:p>
@@ -2233,7 +2225,7 @@
           <a:p>
             <a:fld id="{548C5E67-172B-4F6A-B3B9-DEF72F952E5B}" type="datetimeFigureOut">
               <a:rPr lang="en-US" smtClean="0"/>
-              <a:t>4/3/2024</a:t>
+              <a:t>7/22/2025</a:t>
             </a:fld>
             <a:endParaRPr lang="en-US"/>
           </a:p>
@@ -2514,7 +2506,7 @@
           <a:p>
             <a:fld id="{548C5E67-172B-4F6A-B3B9-DEF72F952E5B}" type="datetimeFigureOut">
               <a:rPr lang="en-US" smtClean="0"/>
-              <a:t>4/3/2024</a:t>
+              <a:t>7/22/2025</a:t>
             </a:fld>
             <a:endParaRPr lang="en-US"/>
           </a:p>
@@ -3076,7 +3068,12 @@
             <p:ph type="subTitle" idx="1"/>
           </p:nvPr>
         </p:nvSpPr>
-        <p:spPr/>
+        <p:spPr>
+          <a:xfrm>
+            <a:off x="1524000" y="3566498"/>
+            <a:ext cx="5909534" cy="1655762"/>
+          </a:xfrm>
+        </p:spPr>
         <p:txBody>
           <a:bodyPr/>
           <a:lstStyle/>
